--- a/week9/Week9.pptx
+++ b/week9/Week9.pptx
@@ -302,7 +302,7 @@
           <a:p>
             <a:fld id="{926CD091-3C8C-4124-9F19-15ABFF5CDB2A}" type="datetimeFigureOut">
               <a:rPr lang="tr-TR" smtClean="0"/>
-              <a:t>4.12.2022</a:t>
+              <a:t>5.12.2022</a:t>
             </a:fld>
             <a:endParaRPr lang="tr-TR"/>
           </a:p>
@@ -714,6 +714,258 @@
 </p:notes>
 </file>
 
+<file path=ppt/notesSlides/notesSlide10.xml><?xml version="1.0" encoding="utf-8"?>
+<p:notes xmlns:a="http://schemas.openxmlformats.org/drawingml/2006/main" xmlns:r="http://schemas.openxmlformats.org/officeDocument/2006/relationships" xmlns:p="http://schemas.openxmlformats.org/presentationml/2006/main">
+  <p:cSld>
+    <p:spTree>
+      <p:nvGrpSpPr>
+        <p:cNvPr id="1" name=""/>
+        <p:cNvGrpSpPr/>
+        <p:nvPr/>
+      </p:nvGrpSpPr>
+      <p:grpSpPr>
+        <a:xfrm>
+          <a:off x="0" y="0"/>
+          <a:ext cx="0" cy="0"/>
+          <a:chOff x="0" y="0"/>
+          <a:chExt cx="0" cy="0"/>
+        </a:xfrm>
+      </p:grpSpPr>
+      <p:sp>
+        <p:nvSpPr>
+          <p:cNvPr id="2" name="Slayt Resmi Yer Tutucusu 1"/>
+          <p:cNvSpPr>
+            <a:spLocks noGrp="1" noRot="1" noChangeAspect="1"/>
+          </p:cNvSpPr>
+          <p:nvPr>
+            <p:ph type="sldImg"/>
+          </p:nvPr>
+        </p:nvSpPr>
+        <p:spPr/>
+      </p:sp>
+      <p:sp>
+        <p:nvSpPr>
+          <p:cNvPr id="3" name="Not Yer Tutucusu 2"/>
+          <p:cNvSpPr>
+            <a:spLocks noGrp="1"/>
+          </p:cNvSpPr>
+          <p:nvPr>
+            <p:ph type="body" idx="1"/>
+          </p:nvPr>
+        </p:nvSpPr>
+        <p:spPr/>
+        <p:txBody>
+          <a:bodyPr/>
+          <a:lstStyle/>
+          <a:p>
+            <a:endParaRPr lang="tr-TR" dirty="0"/>
+          </a:p>
+        </p:txBody>
+      </p:sp>
+      <p:sp>
+        <p:nvSpPr>
+          <p:cNvPr id="4" name="Slayt Numarası Yer Tutucusu 3"/>
+          <p:cNvSpPr>
+            <a:spLocks noGrp="1"/>
+          </p:cNvSpPr>
+          <p:nvPr>
+            <p:ph type="sldNum" sz="quarter" idx="5"/>
+          </p:nvPr>
+        </p:nvSpPr>
+        <p:spPr/>
+        <p:txBody>
+          <a:bodyPr/>
+          <a:lstStyle/>
+          <a:p>
+            <a:fld id="{34E7364D-4277-4361-9AAD-C6F0307BFC48}" type="slidenum">
+              <a:rPr lang="tr-TR" smtClean="0"/>
+              <a:t>15</a:t>
+            </a:fld>
+            <a:endParaRPr lang="tr-TR"/>
+          </a:p>
+        </p:txBody>
+      </p:sp>
+    </p:spTree>
+    <p:extLst>
+      <p:ext uri="{BB962C8B-B14F-4D97-AF65-F5344CB8AC3E}">
+        <p14:creationId xmlns:p14="http://schemas.microsoft.com/office/powerpoint/2010/main" val="4071110036"/>
+      </p:ext>
+    </p:extLst>
+  </p:cSld>
+  <p:clrMapOvr>
+    <a:masterClrMapping/>
+  </p:clrMapOvr>
+</p:notes>
+</file>
+
+<file path=ppt/notesSlides/notesSlide11.xml><?xml version="1.0" encoding="utf-8"?>
+<p:notes xmlns:a="http://schemas.openxmlformats.org/drawingml/2006/main" xmlns:r="http://schemas.openxmlformats.org/officeDocument/2006/relationships" xmlns:p="http://schemas.openxmlformats.org/presentationml/2006/main">
+  <p:cSld>
+    <p:spTree>
+      <p:nvGrpSpPr>
+        <p:cNvPr id="1" name=""/>
+        <p:cNvGrpSpPr/>
+        <p:nvPr/>
+      </p:nvGrpSpPr>
+      <p:grpSpPr>
+        <a:xfrm>
+          <a:off x="0" y="0"/>
+          <a:ext cx="0" cy="0"/>
+          <a:chOff x="0" y="0"/>
+          <a:chExt cx="0" cy="0"/>
+        </a:xfrm>
+      </p:grpSpPr>
+      <p:sp>
+        <p:nvSpPr>
+          <p:cNvPr id="2" name="Slayt Resmi Yer Tutucusu 1"/>
+          <p:cNvSpPr>
+            <a:spLocks noGrp="1" noRot="1" noChangeAspect="1"/>
+          </p:cNvSpPr>
+          <p:nvPr>
+            <p:ph type="sldImg"/>
+          </p:nvPr>
+        </p:nvSpPr>
+        <p:spPr/>
+      </p:sp>
+      <p:sp>
+        <p:nvSpPr>
+          <p:cNvPr id="3" name="Not Yer Tutucusu 2"/>
+          <p:cNvSpPr>
+            <a:spLocks noGrp="1"/>
+          </p:cNvSpPr>
+          <p:nvPr>
+            <p:ph type="body" idx="1"/>
+          </p:nvPr>
+        </p:nvSpPr>
+        <p:spPr/>
+        <p:txBody>
+          <a:bodyPr/>
+          <a:lstStyle/>
+          <a:p>
+            <a:endParaRPr lang="tr-TR" dirty="0"/>
+          </a:p>
+        </p:txBody>
+      </p:sp>
+      <p:sp>
+        <p:nvSpPr>
+          <p:cNvPr id="4" name="Slayt Numarası Yer Tutucusu 3"/>
+          <p:cNvSpPr>
+            <a:spLocks noGrp="1"/>
+          </p:cNvSpPr>
+          <p:nvPr>
+            <p:ph type="sldNum" sz="quarter" idx="5"/>
+          </p:nvPr>
+        </p:nvSpPr>
+        <p:spPr/>
+        <p:txBody>
+          <a:bodyPr/>
+          <a:lstStyle/>
+          <a:p>
+            <a:fld id="{34E7364D-4277-4361-9AAD-C6F0307BFC48}" type="slidenum">
+              <a:rPr lang="tr-TR" smtClean="0"/>
+              <a:t>21</a:t>
+            </a:fld>
+            <a:endParaRPr lang="tr-TR"/>
+          </a:p>
+        </p:txBody>
+      </p:sp>
+    </p:spTree>
+    <p:extLst>
+      <p:ext uri="{BB962C8B-B14F-4D97-AF65-F5344CB8AC3E}">
+        <p14:creationId xmlns:p14="http://schemas.microsoft.com/office/powerpoint/2010/main" val="127331067"/>
+      </p:ext>
+    </p:extLst>
+  </p:cSld>
+  <p:clrMapOvr>
+    <a:masterClrMapping/>
+  </p:clrMapOvr>
+</p:notes>
+</file>
+
+<file path=ppt/notesSlides/notesSlide12.xml><?xml version="1.0" encoding="utf-8"?>
+<p:notes xmlns:a="http://schemas.openxmlformats.org/drawingml/2006/main" xmlns:r="http://schemas.openxmlformats.org/officeDocument/2006/relationships" xmlns:p="http://schemas.openxmlformats.org/presentationml/2006/main">
+  <p:cSld>
+    <p:spTree>
+      <p:nvGrpSpPr>
+        <p:cNvPr id="1" name=""/>
+        <p:cNvGrpSpPr/>
+        <p:nvPr/>
+      </p:nvGrpSpPr>
+      <p:grpSpPr>
+        <a:xfrm>
+          <a:off x="0" y="0"/>
+          <a:ext cx="0" cy="0"/>
+          <a:chOff x="0" y="0"/>
+          <a:chExt cx="0" cy="0"/>
+        </a:xfrm>
+      </p:grpSpPr>
+      <p:sp>
+        <p:nvSpPr>
+          <p:cNvPr id="2" name="Slayt Resmi Yer Tutucusu 1"/>
+          <p:cNvSpPr>
+            <a:spLocks noGrp="1" noRot="1" noChangeAspect="1"/>
+          </p:cNvSpPr>
+          <p:nvPr>
+            <p:ph type="sldImg"/>
+          </p:nvPr>
+        </p:nvSpPr>
+        <p:spPr/>
+      </p:sp>
+      <p:sp>
+        <p:nvSpPr>
+          <p:cNvPr id="3" name="Not Yer Tutucusu 2"/>
+          <p:cNvSpPr>
+            <a:spLocks noGrp="1"/>
+          </p:cNvSpPr>
+          <p:nvPr>
+            <p:ph type="body" idx="1"/>
+          </p:nvPr>
+        </p:nvSpPr>
+        <p:spPr/>
+        <p:txBody>
+          <a:bodyPr/>
+          <a:lstStyle/>
+          <a:p>
+            <a:endParaRPr lang="tr-TR" dirty="0"/>
+          </a:p>
+        </p:txBody>
+      </p:sp>
+      <p:sp>
+        <p:nvSpPr>
+          <p:cNvPr id="4" name="Slayt Numarası Yer Tutucusu 3"/>
+          <p:cNvSpPr>
+            <a:spLocks noGrp="1"/>
+          </p:cNvSpPr>
+          <p:nvPr>
+            <p:ph type="sldNum" sz="quarter" idx="5"/>
+          </p:nvPr>
+        </p:nvSpPr>
+        <p:spPr/>
+        <p:txBody>
+          <a:bodyPr/>
+          <a:lstStyle/>
+          <a:p>
+            <a:fld id="{34E7364D-4277-4361-9AAD-C6F0307BFC48}" type="slidenum">
+              <a:rPr lang="tr-TR" smtClean="0"/>
+              <a:t>22</a:t>
+            </a:fld>
+            <a:endParaRPr lang="tr-TR"/>
+          </a:p>
+        </p:txBody>
+      </p:sp>
+    </p:spTree>
+    <p:extLst>
+      <p:ext uri="{BB962C8B-B14F-4D97-AF65-F5344CB8AC3E}">
+        <p14:creationId xmlns:p14="http://schemas.microsoft.com/office/powerpoint/2010/main" val="3966907010"/>
+      </p:ext>
+    </p:extLst>
+  </p:cSld>
+  <p:clrMapOvr>
+    <a:masterClrMapping/>
+  </p:clrMapOvr>
+</p:notes>
+</file>
+
 <file path=ppt/notesSlides/notesSlide2.xml><?xml version="1.0" encoding="utf-8"?>
 <p:notes xmlns:a="http://schemas.openxmlformats.org/drawingml/2006/main" xmlns:r="http://schemas.openxmlformats.org/officeDocument/2006/relationships" xmlns:p="http://schemas.openxmlformats.org/presentationml/2006/main">
   <p:cSld>
@@ -817,7 +1069,7 @@
       </p:grpSpPr>
       <p:sp>
         <p:nvSpPr>
-          <p:cNvPr id="2" name="Slide Image Placeholder 1"/>
+          <p:cNvPr id="2" name="Slayt Resmi Yer Tutucusu 1"/>
           <p:cNvSpPr>
             <a:spLocks noGrp="1" noRot="1" noChangeAspect="1"/>
           </p:cNvSpPr>
@@ -829,7 +1081,7 @@
       </p:sp>
       <p:sp>
         <p:nvSpPr>
-          <p:cNvPr id="3" name="Notes Placeholder 2"/>
+          <p:cNvPr id="3" name="Not Yer Tutucusu 2"/>
           <p:cNvSpPr>
             <a:spLocks noGrp="1"/>
           </p:cNvSpPr>
@@ -842,13 +1094,16 @@
           <a:bodyPr/>
           <a:lstStyle/>
           <a:p>
-            <a:endParaRPr lang="tr-TR" dirty="0"/>
-          </a:p>
-        </p:txBody>
-      </p:sp>
-      <p:sp>
-        <p:nvSpPr>
-          <p:cNvPr id="4" name="Slide Number Placeholder 3"/>
+            <a:r>
+              <a:rPr lang="tr-TR" dirty="0"/>
+              <a:t>Elemanların tanımını değiştiriyoruz. </a:t>
+            </a:r>
+          </a:p>
+        </p:txBody>
+      </p:sp>
+      <p:sp>
+        <p:nvSpPr>
+          <p:cNvPr id="4" name="Slayt Numarası Yer Tutucusu 3"/>
           <p:cNvSpPr>
             <a:spLocks noGrp="1"/>
           </p:cNvSpPr>
@@ -861,24 +1116,18 @@
           <a:bodyPr/>
           <a:lstStyle/>
           <a:p>
-            <a:pPr>
-              <a:defRPr/>
-            </a:pPr>
-            <a:fld id="{F0542D50-4B96-4BDF-8E44-5A0D108D0DE3}" type="slidenum">
-              <a:rPr lang="en-US" altLang="en-US" smtClean="0"/>
-              <a:pPr>
-                <a:defRPr/>
-              </a:pPr>
-              <a:t>6</a:t>
+            <a:fld id="{34E7364D-4277-4361-9AAD-C6F0307BFC48}" type="slidenum">
+              <a:rPr lang="tr-TR" smtClean="0"/>
+              <a:t>5</a:t>
             </a:fld>
-            <a:endParaRPr lang="en-US" altLang="en-US"/>
+            <a:endParaRPr lang="tr-TR"/>
           </a:p>
         </p:txBody>
       </p:sp>
     </p:spTree>
     <p:extLst>
       <p:ext uri="{BB962C8B-B14F-4D97-AF65-F5344CB8AC3E}">
-        <p14:creationId xmlns:p14="http://schemas.microsoft.com/office/powerpoint/2010/main" val="3201555367"/>
+        <p14:creationId xmlns:p14="http://schemas.microsoft.com/office/powerpoint/2010/main" val="2435758881"/>
       </p:ext>
     </p:extLst>
   </p:cSld>
@@ -959,6 +1208,111 @@
               <a:pPr>
                 <a:defRPr/>
               </a:pPr>
+              <a:t>6</a:t>
+            </a:fld>
+            <a:endParaRPr lang="en-US" altLang="en-US"/>
+          </a:p>
+        </p:txBody>
+      </p:sp>
+    </p:spTree>
+    <p:extLst>
+      <p:ext uri="{BB962C8B-B14F-4D97-AF65-F5344CB8AC3E}">
+        <p14:creationId xmlns:p14="http://schemas.microsoft.com/office/powerpoint/2010/main" val="3201555367"/>
+      </p:ext>
+    </p:extLst>
+  </p:cSld>
+  <p:clrMapOvr>
+    <a:masterClrMapping/>
+  </p:clrMapOvr>
+</p:notes>
+</file>
+
+<file path=ppt/notesSlides/notesSlide5.xml><?xml version="1.0" encoding="utf-8"?>
+<p:notes xmlns:a="http://schemas.openxmlformats.org/drawingml/2006/main" xmlns:r="http://schemas.openxmlformats.org/officeDocument/2006/relationships" xmlns:p="http://schemas.openxmlformats.org/presentationml/2006/main">
+  <p:cSld>
+    <p:spTree>
+      <p:nvGrpSpPr>
+        <p:cNvPr id="1" name=""/>
+        <p:cNvGrpSpPr/>
+        <p:nvPr/>
+      </p:nvGrpSpPr>
+      <p:grpSpPr>
+        <a:xfrm>
+          <a:off x="0" y="0"/>
+          <a:ext cx="0" cy="0"/>
+          <a:chOff x="0" y="0"/>
+          <a:chExt cx="0" cy="0"/>
+        </a:xfrm>
+      </p:grpSpPr>
+      <p:sp>
+        <p:nvSpPr>
+          <p:cNvPr id="2" name="Slide Image Placeholder 1"/>
+          <p:cNvSpPr>
+            <a:spLocks noGrp="1" noRot="1" noChangeAspect="1"/>
+          </p:cNvSpPr>
+          <p:nvPr>
+            <p:ph type="sldImg"/>
+          </p:nvPr>
+        </p:nvSpPr>
+        <p:spPr/>
+      </p:sp>
+      <p:sp>
+        <p:nvSpPr>
+          <p:cNvPr id="3" name="Notes Placeholder 2"/>
+          <p:cNvSpPr>
+            <a:spLocks noGrp="1"/>
+          </p:cNvSpPr>
+          <p:nvPr>
+            <p:ph type="body" idx="1"/>
+          </p:nvPr>
+        </p:nvSpPr>
+        <p:spPr/>
+        <p:txBody>
+          <a:bodyPr/>
+          <a:lstStyle/>
+          <a:p>
+            <a:r>
+              <a:rPr lang="tr-TR" dirty="0" err="1"/>
+              <a:t>Ptorected</a:t>
+            </a:r>
+            <a:r>
+              <a:rPr lang="tr-TR" dirty="0"/>
+              <a:t>: alt </a:t>
+            </a:r>
+            <a:r>
+              <a:rPr lang="tr-TR" dirty="0" err="1"/>
+              <a:t>classsa</a:t>
+            </a:r>
+            <a:r>
+              <a:rPr lang="tr-TR" dirty="0"/>
+              <a:t> her yerden erişilebilir. # ile kullanılır. Has a &gt; sahiptir // is a &gt; </a:t>
+            </a:r>
+          </a:p>
+        </p:txBody>
+      </p:sp>
+      <p:sp>
+        <p:nvSpPr>
+          <p:cNvPr id="4" name="Slide Number Placeholder 3"/>
+          <p:cNvSpPr>
+            <a:spLocks noGrp="1"/>
+          </p:cNvSpPr>
+          <p:nvPr>
+            <p:ph type="sldNum" sz="quarter" idx="5"/>
+          </p:nvPr>
+        </p:nvSpPr>
+        <p:spPr/>
+        <p:txBody>
+          <a:bodyPr/>
+          <a:lstStyle/>
+          <a:p>
+            <a:pPr>
+              <a:defRPr/>
+            </a:pPr>
+            <a:fld id="{F0542D50-4B96-4BDF-8E44-5A0D108D0DE3}" type="slidenum">
+              <a:rPr lang="en-US" altLang="en-US" smtClean="0"/>
+              <a:pPr>
+                <a:defRPr/>
+              </a:pPr>
               <a:t>7</a:t>
             </a:fld>
             <a:endParaRPr lang="en-US" altLang="en-US"/>
@@ -978,7 +1332,91 @@
 </p:notes>
 </file>
 
-<file path=ppt/notesSlides/notesSlide5.xml><?xml version="1.0" encoding="utf-8"?>
+<file path=ppt/notesSlides/notesSlide6.xml><?xml version="1.0" encoding="utf-8"?>
+<p:notes xmlns:a="http://schemas.openxmlformats.org/drawingml/2006/main" xmlns:r="http://schemas.openxmlformats.org/officeDocument/2006/relationships" xmlns:p="http://schemas.openxmlformats.org/presentationml/2006/main">
+  <p:cSld>
+    <p:spTree>
+      <p:nvGrpSpPr>
+        <p:cNvPr id="1" name=""/>
+        <p:cNvGrpSpPr/>
+        <p:nvPr/>
+      </p:nvGrpSpPr>
+      <p:grpSpPr>
+        <a:xfrm>
+          <a:off x="0" y="0"/>
+          <a:ext cx="0" cy="0"/>
+          <a:chOff x="0" y="0"/>
+          <a:chExt cx="0" cy="0"/>
+        </a:xfrm>
+      </p:grpSpPr>
+      <p:sp>
+        <p:nvSpPr>
+          <p:cNvPr id="2" name="Slayt Resmi Yer Tutucusu 1"/>
+          <p:cNvSpPr>
+            <a:spLocks noGrp="1" noRot="1" noChangeAspect="1"/>
+          </p:cNvSpPr>
+          <p:nvPr>
+            <p:ph type="sldImg"/>
+          </p:nvPr>
+        </p:nvSpPr>
+        <p:spPr/>
+      </p:sp>
+      <p:sp>
+        <p:nvSpPr>
+          <p:cNvPr id="3" name="Not Yer Tutucusu 2"/>
+          <p:cNvSpPr>
+            <a:spLocks noGrp="1"/>
+          </p:cNvSpPr>
+          <p:nvPr>
+            <p:ph type="body" idx="1"/>
+          </p:nvPr>
+        </p:nvSpPr>
+        <p:spPr/>
+        <p:txBody>
+          <a:bodyPr/>
+          <a:lstStyle/>
+          <a:p>
+            <a:endParaRPr lang="tr-TR" dirty="0"/>
+          </a:p>
+        </p:txBody>
+      </p:sp>
+      <p:sp>
+        <p:nvSpPr>
+          <p:cNvPr id="4" name="Slayt Numarası Yer Tutucusu 3"/>
+          <p:cNvSpPr>
+            <a:spLocks noGrp="1"/>
+          </p:cNvSpPr>
+          <p:nvPr>
+            <p:ph type="sldNum" sz="quarter" idx="5"/>
+          </p:nvPr>
+        </p:nvSpPr>
+        <p:spPr/>
+        <p:txBody>
+          <a:bodyPr/>
+          <a:lstStyle/>
+          <a:p>
+            <a:fld id="{34E7364D-4277-4361-9AAD-C6F0307BFC48}" type="slidenum">
+              <a:rPr lang="tr-TR" smtClean="0"/>
+              <a:t>8</a:t>
+            </a:fld>
+            <a:endParaRPr lang="tr-TR"/>
+          </a:p>
+        </p:txBody>
+      </p:sp>
+    </p:spTree>
+    <p:extLst>
+      <p:ext uri="{BB962C8B-B14F-4D97-AF65-F5344CB8AC3E}">
+        <p14:creationId xmlns:p14="http://schemas.microsoft.com/office/powerpoint/2010/main" val="3791465278"/>
+      </p:ext>
+    </p:extLst>
+  </p:cSld>
+  <p:clrMapOvr>
+    <a:masterClrMapping/>
+  </p:clrMapOvr>
+</p:notes>
+</file>
+
+<file path=ppt/notesSlides/notesSlide7.xml><?xml version="1.0" encoding="utf-8"?>
 <p:notes xmlns:a="http://schemas.openxmlformats.org/drawingml/2006/main" xmlns:r="http://schemas.openxmlformats.org/officeDocument/2006/relationships" xmlns:p="http://schemas.openxmlformats.org/presentationml/2006/main">
   <p:cSld>
     <p:spTree>
@@ -1122,6 +1560,193 @@
 </p:notes>
 </file>
 
+<file path=ppt/notesSlides/notesSlide8.xml><?xml version="1.0" encoding="utf-8"?>
+<p:notes xmlns:a="http://schemas.openxmlformats.org/drawingml/2006/main" xmlns:r="http://schemas.openxmlformats.org/officeDocument/2006/relationships" xmlns:p="http://schemas.openxmlformats.org/presentationml/2006/main">
+  <p:cSld>
+    <p:spTree>
+      <p:nvGrpSpPr>
+        <p:cNvPr id="1" name=""/>
+        <p:cNvGrpSpPr/>
+        <p:nvPr/>
+      </p:nvGrpSpPr>
+      <p:grpSpPr>
+        <a:xfrm>
+          <a:off x="0" y="0"/>
+          <a:ext cx="0" cy="0"/>
+          <a:chOff x="0" y="0"/>
+          <a:chExt cx="0" cy="0"/>
+        </a:xfrm>
+      </p:grpSpPr>
+      <p:sp>
+        <p:nvSpPr>
+          <p:cNvPr id="2" name="Slayt Resmi Yer Tutucusu 1"/>
+          <p:cNvSpPr>
+            <a:spLocks noGrp="1" noRot="1" noChangeAspect="1"/>
+          </p:cNvSpPr>
+          <p:nvPr>
+            <p:ph type="sldImg"/>
+          </p:nvPr>
+        </p:nvSpPr>
+        <p:spPr/>
+      </p:sp>
+      <p:sp>
+        <p:nvSpPr>
+          <p:cNvPr id="3" name="Not Yer Tutucusu 2"/>
+          <p:cNvSpPr>
+            <a:spLocks noGrp="1"/>
+          </p:cNvSpPr>
+          <p:nvPr>
+            <p:ph type="body" idx="1"/>
+          </p:nvPr>
+        </p:nvSpPr>
+        <p:spPr/>
+        <p:txBody>
+          <a:bodyPr/>
+          <a:lstStyle/>
+          <a:p>
+            <a:endParaRPr lang="tr-TR" dirty="0"/>
+          </a:p>
+        </p:txBody>
+      </p:sp>
+      <p:sp>
+        <p:nvSpPr>
+          <p:cNvPr id="4" name="Slayt Numarası Yer Tutucusu 3"/>
+          <p:cNvSpPr>
+            <a:spLocks noGrp="1"/>
+          </p:cNvSpPr>
+          <p:nvPr>
+            <p:ph type="sldNum" sz="quarter" idx="5"/>
+          </p:nvPr>
+        </p:nvSpPr>
+        <p:spPr/>
+        <p:txBody>
+          <a:bodyPr/>
+          <a:lstStyle/>
+          <a:p>
+            <a:fld id="{34E7364D-4277-4361-9AAD-C6F0307BFC48}" type="slidenum">
+              <a:rPr lang="tr-TR" smtClean="0"/>
+              <a:t>11</a:t>
+            </a:fld>
+            <a:endParaRPr lang="tr-TR"/>
+          </a:p>
+        </p:txBody>
+      </p:sp>
+    </p:spTree>
+    <p:extLst>
+      <p:ext uri="{BB962C8B-B14F-4D97-AF65-F5344CB8AC3E}">
+        <p14:creationId xmlns:p14="http://schemas.microsoft.com/office/powerpoint/2010/main" val="2852889680"/>
+      </p:ext>
+    </p:extLst>
+  </p:cSld>
+  <p:clrMapOvr>
+    <a:masterClrMapping/>
+  </p:clrMapOvr>
+</p:notes>
+</file>
+
+<file path=ppt/notesSlides/notesSlide9.xml><?xml version="1.0" encoding="utf-8"?>
+<p:notes xmlns:a="http://schemas.openxmlformats.org/drawingml/2006/main" xmlns:r="http://schemas.openxmlformats.org/officeDocument/2006/relationships" xmlns:p="http://schemas.openxmlformats.org/presentationml/2006/main">
+  <p:cSld>
+    <p:spTree>
+      <p:nvGrpSpPr>
+        <p:cNvPr id="1" name=""/>
+        <p:cNvGrpSpPr/>
+        <p:nvPr/>
+      </p:nvGrpSpPr>
+      <p:grpSpPr>
+        <a:xfrm>
+          <a:off x="0" y="0"/>
+          <a:ext cx="0" cy="0"/>
+          <a:chOff x="0" y="0"/>
+          <a:chExt cx="0" cy="0"/>
+        </a:xfrm>
+      </p:grpSpPr>
+      <p:sp>
+        <p:nvSpPr>
+          <p:cNvPr id="2" name="Slayt Resmi Yer Tutucusu 1"/>
+          <p:cNvSpPr>
+            <a:spLocks noGrp="1" noRot="1" noChangeAspect="1"/>
+          </p:cNvSpPr>
+          <p:nvPr>
+            <p:ph type="sldImg"/>
+          </p:nvPr>
+        </p:nvSpPr>
+        <p:spPr/>
+      </p:sp>
+      <p:sp>
+        <p:nvSpPr>
+          <p:cNvPr id="3" name="Not Yer Tutucusu 2"/>
+          <p:cNvSpPr>
+            <a:spLocks noGrp="1"/>
+          </p:cNvSpPr>
+          <p:nvPr>
+            <p:ph type="body" idx="1"/>
+          </p:nvPr>
+        </p:nvSpPr>
+        <p:spPr/>
+        <p:txBody>
+          <a:bodyPr/>
+          <a:lstStyle/>
+          <a:p>
+            <a:r>
+              <a:rPr lang="tr-TR" dirty="0"/>
+              <a:t>***Önemli olan bu. Ata </a:t>
+            </a:r>
+            <a:r>
+              <a:rPr lang="tr-TR" dirty="0" err="1"/>
+              <a:t>classta</a:t>
+            </a:r>
+            <a:r>
+              <a:rPr lang="tr-TR" dirty="0"/>
+              <a:t> metot yavru </a:t>
+            </a:r>
+            <a:r>
+              <a:rPr lang="tr-TR" dirty="0" err="1"/>
+              <a:t>classta</a:t>
+            </a:r>
+            <a:r>
+              <a:rPr lang="tr-TR" dirty="0"/>
+              <a:t> ifade edilir. </a:t>
+            </a:r>
+          </a:p>
+        </p:txBody>
+      </p:sp>
+      <p:sp>
+        <p:nvSpPr>
+          <p:cNvPr id="4" name="Slayt Numarası Yer Tutucusu 3"/>
+          <p:cNvSpPr>
+            <a:spLocks noGrp="1"/>
+          </p:cNvSpPr>
+          <p:nvPr>
+            <p:ph type="sldNum" sz="quarter" idx="5"/>
+          </p:nvPr>
+        </p:nvSpPr>
+        <p:spPr/>
+        <p:txBody>
+          <a:bodyPr/>
+          <a:lstStyle/>
+          <a:p>
+            <a:fld id="{34E7364D-4277-4361-9AAD-C6F0307BFC48}" type="slidenum">
+              <a:rPr lang="tr-TR" smtClean="0"/>
+              <a:t>14</a:t>
+            </a:fld>
+            <a:endParaRPr lang="tr-TR"/>
+          </a:p>
+        </p:txBody>
+      </p:sp>
+    </p:spTree>
+    <p:extLst>
+      <p:ext uri="{BB962C8B-B14F-4D97-AF65-F5344CB8AC3E}">
+        <p14:creationId xmlns:p14="http://schemas.microsoft.com/office/powerpoint/2010/main" val="3364598489"/>
+      </p:ext>
+    </p:extLst>
+  </p:cSld>
+  <p:clrMapOvr>
+    <a:masterClrMapping/>
+  </p:clrMapOvr>
+</p:notes>
+</file>
+
 <file path=ppt/slideLayouts/slideLayout1.xml><?xml version="1.0" encoding="utf-8"?>
 <p:sldLayout xmlns:a="http://schemas.openxmlformats.org/drawingml/2006/main" xmlns:r="http://schemas.openxmlformats.org/officeDocument/2006/relationships" xmlns:p="http://schemas.openxmlformats.org/presentationml/2006/main" type="title" preserve="1">
   <p:cSld name="Title Slide">
@@ -1271,7 +1896,7 @@
           <a:p>
             <a:fld id="{CFE92C55-CE96-4306-855C-26651EE61F86}" type="datetimeFigureOut">
               <a:rPr lang="tr-TR" smtClean="0"/>
-              <a:t>4.12.2022</a:t>
+              <a:t>5.12.2022</a:t>
             </a:fld>
             <a:endParaRPr lang="tr-TR"/>
           </a:p>
@@ -1471,7 +2096,7 @@
           <a:p>
             <a:fld id="{CFE92C55-CE96-4306-855C-26651EE61F86}" type="datetimeFigureOut">
               <a:rPr lang="tr-TR" smtClean="0"/>
-              <a:t>4.12.2022</a:t>
+              <a:t>5.12.2022</a:t>
             </a:fld>
             <a:endParaRPr lang="tr-TR"/>
           </a:p>
@@ -1681,7 +2306,7 @@
           <a:p>
             <a:fld id="{CFE92C55-CE96-4306-855C-26651EE61F86}" type="datetimeFigureOut">
               <a:rPr lang="tr-TR" smtClean="0"/>
-              <a:t>4.12.2022</a:t>
+              <a:t>5.12.2022</a:t>
             </a:fld>
             <a:endParaRPr lang="tr-TR"/>
           </a:p>
@@ -1881,7 +2506,7 @@
           <a:p>
             <a:fld id="{CFE92C55-CE96-4306-855C-26651EE61F86}" type="datetimeFigureOut">
               <a:rPr lang="tr-TR" smtClean="0"/>
-              <a:t>4.12.2022</a:t>
+              <a:t>5.12.2022</a:t>
             </a:fld>
             <a:endParaRPr lang="tr-TR"/>
           </a:p>
@@ -2157,7 +2782,7 @@
           <a:p>
             <a:fld id="{CFE92C55-CE96-4306-855C-26651EE61F86}" type="datetimeFigureOut">
               <a:rPr lang="tr-TR" smtClean="0"/>
-              <a:t>4.12.2022</a:t>
+              <a:t>5.12.2022</a:t>
             </a:fld>
             <a:endParaRPr lang="tr-TR"/>
           </a:p>
@@ -2425,7 +3050,7 @@
           <a:p>
             <a:fld id="{CFE92C55-CE96-4306-855C-26651EE61F86}" type="datetimeFigureOut">
               <a:rPr lang="tr-TR" smtClean="0"/>
-              <a:t>4.12.2022</a:t>
+              <a:t>5.12.2022</a:t>
             </a:fld>
             <a:endParaRPr lang="tr-TR"/>
           </a:p>
@@ -2840,7 +3465,7 @@
           <a:p>
             <a:fld id="{CFE92C55-CE96-4306-855C-26651EE61F86}" type="datetimeFigureOut">
               <a:rPr lang="tr-TR" smtClean="0"/>
-              <a:t>4.12.2022</a:t>
+              <a:t>5.12.2022</a:t>
             </a:fld>
             <a:endParaRPr lang="tr-TR"/>
           </a:p>
@@ -2982,7 +3607,7 @@
           <a:p>
             <a:fld id="{CFE92C55-CE96-4306-855C-26651EE61F86}" type="datetimeFigureOut">
               <a:rPr lang="tr-TR" smtClean="0"/>
-              <a:t>4.12.2022</a:t>
+              <a:t>5.12.2022</a:t>
             </a:fld>
             <a:endParaRPr lang="tr-TR"/>
           </a:p>
@@ -3095,7 +3720,7 @@
           <a:p>
             <a:fld id="{CFE92C55-CE96-4306-855C-26651EE61F86}" type="datetimeFigureOut">
               <a:rPr lang="tr-TR" smtClean="0"/>
-              <a:t>4.12.2022</a:t>
+              <a:t>5.12.2022</a:t>
             </a:fld>
             <a:endParaRPr lang="tr-TR"/>
           </a:p>
@@ -3408,7 +4033,7 @@
           <a:p>
             <a:fld id="{CFE92C55-CE96-4306-855C-26651EE61F86}" type="datetimeFigureOut">
               <a:rPr lang="tr-TR" smtClean="0"/>
-              <a:t>4.12.2022</a:t>
+              <a:t>5.12.2022</a:t>
             </a:fld>
             <a:endParaRPr lang="tr-TR"/>
           </a:p>
@@ -3697,7 +4322,7 @@
           <a:p>
             <a:fld id="{CFE92C55-CE96-4306-855C-26651EE61F86}" type="datetimeFigureOut">
               <a:rPr lang="tr-TR" smtClean="0"/>
-              <a:t>4.12.2022</a:t>
+              <a:t>5.12.2022</a:t>
             </a:fld>
             <a:endParaRPr lang="tr-TR"/>
           </a:p>
@@ -3940,7 +4565,7 @@
           <a:p>
             <a:fld id="{CFE92C55-CE96-4306-855C-26651EE61F86}" type="datetimeFigureOut">
               <a:rPr lang="tr-TR" smtClean="0"/>
-              <a:t>4.12.2022</a:t>
+              <a:t>5.12.2022</a:t>
             </a:fld>
             <a:endParaRPr lang="tr-TR"/>
           </a:p>
@@ -4533,7 +5158,7 @@
                 <a:tabLst/>
                 <a:defRPr/>
               </a:pPr>
-              <a:t>12/4/2022</a:t>
+              <a:t>12/5/2022</a:t>
             </a:fld>
             <a:endParaRPr kumimoji="0" lang="en-US" sz="1200" b="0" i="0" u="none" strike="noStrike" kern="1200" cap="none" spc="0" normalizeH="0" baseline="0" noProof="0">
               <a:ln>
@@ -5075,7 +5700,7 @@
             </a:pPr>
             <a:fld id="{10DA81A5-DABA-43ED-9C4E-7BEB3805556A}" type="datetime1">
               <a:rPr lang="en-US" altLang="en-US" smtClean="0"/>
-              <a:t>12/4/2022</a:t>
+              <a:t>12/5/2022</a:t>
             </a:fld>
             <a:endParaRPr lang="en-US" altLang="en-US"/>
           </a:p>
@@ -5179,7 +5804,10 @@
               <a:rPr lang="en-US" dirty="0"/>
               <a:t>Polymorphism?</a:t>
             </a:r>
-            <a:endParaRPr lang="tr-TR" dirty="0"/>
+            <a:r>
+              <a:rPr lang="tr-TR" dirty="0"/>
+              <a:t>(çok biçimli, çok formlu)</a:t>
+            </a:r>
           </a:p>
         </p:txBody>
       </p:sp>
@@ -5256,7 +5884,7 @@
                 <a:solidFill>
                   <a:schemeClr val="tx1"/>
                 </a:solidFill>
-                <a:hlinkClick r:id="rId2">
+                <a:hlinkClick r:id="rId3">
                   <a:extLst>
                     <a:ext uri="{A12FA001-AC4F-418D-AE19-62706E023703}">
                       <ahyp:hlinkClr xmlns:ahyp="http://schemas.microsoft.com/office/drawing/2018/hyperlinkcolor" val="tx"/>
@@ -5295,7 +5923,7 @@
                 <a:solidFill>
                   <a:schemeClr val="tx1"/>
                 </a:solidFill>
-                <a:hlinkClick r:id="rId3">
+                <a:hlinkClick r:id="rId4">
                   <a:extLst>
                     <a:ext uri="{A12FA001-AC4F-418D-AE19-62706E023703}">
                       <ahyp:hlinkClr xmlns:ahyp="http://schemas.microsoft.com/office/drawing/2018/hyperlinkcolor" val="tx"/>
@@ -5392,7 +6020,7 @@
                 </a:spcAft>
                 <a:defRPr/>
               </a:pPr>
-              <a:t>12/4/2022</a:t>
+              <a:t>12/5/2022</a:t>
             </a:fld>
             <a:endParaRPr lang="en-US" altLang="en-US"/>
           </a:p>
@@ -5467,7 +6095,7 @@
           <p:nvPr/>
         </p:nvPicPr>
         <p:blipFill>
-          <a:blip r:embed="rId4">
+          <a:blip r:embed="rId5">
             <a:extLst>
               <a:ext uri="{28A0092B-C50C-407E-A947-70E740481C1C}">
                 <a14:useLocalDpi xmlns:a14="http://schemas.microsoft.com/office/drawing/2010/main" val="0"/>
@@ -5662,6 +6290,19 @@
               <a:rPr lang="en-US" sz="2800" dirty="0"/>
               <a:t>Method overloading</a:t>
             </a:r>
+            <a:r>
+              <a:rPr lang="tr-TR" sz="2800" dirty="0"/>
+              <a:t>(</a:t>
+            </a:r>
+            <a:r>
+              <a:rPr lang="tr-TR" sz="2800" dirty="0" err="1"/>
+              <a:t>metotun</a:t>
+            </a:r>
+            <a:r>
+              <a:rPr lang="tr-TR" sz="2800" dirty="0"/>
+              <a:t> gövdesi aynı tipi değişebilir)</a:t>
+            </a:r>
+            <a:endParaRPr lang="en-US" sz="2800" dirty="0"/>
           </a:p>
           <a:p>
             <a:pPr marL="914400" lvl="2" indent="0">
@@ -5726,7 +6367,7 @@
                 </a:spcAft>
                 <a:defRPr/>
               </a:pPr>
-              <a:t>12/4/2022</a:t>
+              <a:t>12/5/2022</a:t>
             </a:fld>
             <a:endParaRPr lang="en-US" altLang="en-US"/>
           </a:p>
@@ -5869,7 +6510,7 @@
         </p:blipFill>
         <p:spPr>
           <a:xfrm>
-            <a:off x="6856732" y="1422921"/>
+            <a:off x="6856732" y="1430942"/>
             <a:ext cx="4883219" cy="4892948"/>
           </a:xfrm>
           <a:prstGeom prst="rect">
@@ -5908,7 +6549,7 @@
             </a:pPr>
             <a:fld id="{10DA81A5-DABA-43ED-9C4E-7BEB3805556A}" type="datetime1">
               <a:rPr lang="en-US" altLang="en-US" smtClean="0"/>
-              <a:t>12/4/2022</a:t>
+              <a:t>12/5/2022</a:t>
             </a:fld>
             <a:endParaRPr lang="en-US" altLang="en-US"/>
           </a:p>
@@ -6164,7 +6805,7 @@
             </a:pPr>
             <a:fld id="{10DA81A5-DABA-43ED-9C4E-7BEB3805556A}" type="datetime1">
               <a:rPr lang="en-US" altLang="en-US" smtClean="0"/>
-              <a:t>12/4/2022</a:t>
+              <a:t>12/5/2022</a:t>
             </a:fld>
             <a:endParaRPr lang="en-US" altLang="en-US"/>
           </a:p>
@@ -6296,7 +6937,7 @@
             <p:nvPr/>
           </p:nvPicPr>
           <p:blipFill rotWithShape="1">
-            <a:blip r:embed="rId2"/>
+            <a:blip r:embed="rId3"/>
             <a:srcRect l="510" t="-1" r="3514" b="8810"/>
             <a:stretch/>
           </p:blipFill>
@@ -6396,7 +7037,7 @@
             <p:nvPr/>
           </p:nvPicPr>
           <p:blipFill>
-            <a:blip r:embed="rId3"/>
+            <a:blip r:embed="rId4"/>
             <a:stretch>
               <a:fillRect/>
             </a:stretch>
@@ -6735,7 +7376,7 @@
             </a:pPr>
             <a:fld id="{10DA81A5-DABA-43ED-9C4E-7BEB3805556A}" type="datetime1">
               <a:rPr lang="en-US" altLang="en-US" smtClean="0"/>
-              <a:t>12/4/2022</a:t>
+              <a:t>12/5/2022</a:t>
             </a:fld>
             <a:endParaRPr lang="en-US" altLang="en-US"/>
           </a:p>
@@ -7019,7 +7660,7 @@
             </a:pPr>
             <a:fld id="{10DA81A5-DABA-43ED-9C4E-7BEB3805556A}" type="datetime1">
               <a:rPr lang="en-US" altLang="en-US" smtClean="0"/>
-              <a:t>12/4/2022</a:t>
+              <a:t>12/5/2022</a:t>
             </a:fld>
             <a:endParaRPr lang="en-US" altLang="en-US"/>
           </a:p>
@@ -7345,7 +7986,7 @@
             </a:pPr>
             <a:fld id="{10DA81A5-DABA-43ED-9C4E-7BEB3805556A}" type="datetime1">
               <a:rPr lang="en-US" altLang="en-US" smtClean="0"/>
-              <a:t>12/4/2022</a:t>
+              <a:t>12/5/2022</a:t>
             </a:fld>
             <a:endParaRPr lang="en-US" altLang="en-US"/>
           </a:p>
@@ -8009,7 +8650,7 @@
         </p:style>
         <p:txBody>
           <a:bodyPr rtlCol="0">
-            <a:normAutofit fontScale="92500" lnSpcReduction="10000"/>
+            <a:normAutofit fontScale="85000" lnSpcReduction="20000"/>
           </a:bodyPr>
           <a:lstStyle/>
           <a:p>
@@ -8146,6 +8787,37 @@
               </a:rPr>
               <a:t>Animal</a:t>
             </a:r>
+            <a:endParaRPr lang="tr-TR" altLang="tr-TR" noProof="1">
+              <a:solidFill>
+                <a:schemeClr val="tx1">
+                  <a:lumMod val="75000"/>
+                  <a:lumOff val="25000"/>
+                </a:schemeClr>
+              </a:solidFill>
+            </a:endParaRPr>
+          </a:p>
+          <a:p>
+            <a:pPr marL="457200" lvl="1" indent="0" eaLnBrk="1" fontAlgn="auto" hangingPunct="1">
+              <a:lnSpc>
+                <a:spcPct val="80000"/>
+              </a:lnSpc>
+              <a:spcAft>
+                <a:spcPts val="0"/>
+              </a:spcAft>
+              <a:buNone/>
+              <a:defRPr/>
+            </a:pPr>
+            <a:r>
+              <a:rPr lang="tr-TR" altLang="tr-TR" noProof="1">
+                <a:solidFill>
+                  <a:schemeClr val="tx1">
+                    <a:lumMod val="75000"/>
+                    <a:lumOff val="25000"/>
+                  </a:schemeClr>
+                </a:solidFill>
+              </a:rPr>
+              <a:t>(çalışmaz çünkü her hayvan kedi olmak zorunda değil.)</a:t>
+            </a:r>
             <a:br>
               <a:rPr lang="en-US" altLang="tr-TR" noProof="1">
                 <a:solidFill>
@@ -8323,6 +8995,23 @@
               </a:rPr>
               <a:t> behaviors.</a:t>
             </a:r>
+            <a:endParaRPr lang="tr-TR" altLang="tr-TR" noProof="1">
+              <a:solidFill>
+                <a:schemeClr val="tx1">
+                  <a:lumMod val="75000"/>
+                  <a:lumOff val="25000"/>
+                </a:schemeClr>
+              </a:solidFill>
+            </a:endParaRPr>
+          </a:p>
+          <a:p>
+            <a:pPr marL="457200" lvl="1" indent="0">
+              <a:lnSpc>
+                <a:spcPct val="80000"/>
+              </a:lnSpc>
+              <a:buNone/>
+              <a:defRPr/>
+            </a:pPr>
             <a:endParaRPr lang="en-US" altLang="tr-TR" b="1" noProof="1">
               <a:solidFill>
                 <a:schemeClr val="hlink"/>
@@ -8439,6 +9128,18 @@
               </a:rPr>
               <a:t>();</a:t>
             </a:r>
+            <a:r>
+              <a:rPr lang="tr-TR" altLang="tr-TR" sz="2400" noProof="1">
+                <a:solidFill>
+                  <a:schemeClr val="tx1">
+                    <a:lumMod val="75000"/>
+                    <a:lumOff val="25000"/>
+                  </a:schemeClr>
+                </a:solidFill>
+                <a:latin typeface="Consolas" panose="020B0609020204030204" pitchFamily="49" charset="0"/>
+              </a:rPr>
+              <a:t> </a:t>
+            </a:r>
             <a:br>
               <a:rPr lang="en-US" altLang="tr-TR" sz="2400" noProof="1">
                 <a:solidFill>
@@ -8516,6 +9217,24 @@
               </a:rPr>
               <a:t>	o.meow(); 		// Object o does not have meow() either</a:t>
             </a:r>
+            <a:r>
+              <a:rPr lang="tr-TR" altLang="tr-TR" sz="2400" noProof="1">
+                <a:solidFill>
+                  <a:schemeClr val="tx1">
+                    <a:lumMod val="75000"/>
+                    <a:lumOff val="25000"/>
+                  </a:schemeClr>
+                </a:solidFill>
+                <a:latin typeface="Consolas" panose="020B0609020204030204" pitchFamily="49" charset="0"/>
+              </a:rPr>
+              <a:t> (çalışmaz)</a:t>
+            </a:r>
+            <a:endParaRPr lang="en-US" altLang="tr-TR" sz="2400" b="1" noProof="1">
+              <a:solidFill>
+                <a:schemeClr val="hlink"/>
+              </a:solidFill>
+              <a:latin typeface="Consolas" panose="020B0609020204030204" pitchFamily="49" charset="0"/>
+            </a:endParaRPr>
           </a:p>
         </p:txBody>
       </p:sp>
@@ -8949,6 +9668,11 @@
               <a:rPr lang="en-US" altLang="tr-TR" dirty="0"/>
               <a:t>	in Animal Class?</a:t>
             </a:r>
+            <a:r>
+              <a:rPr lang="tr-TR" altLang="tr-TR" dirty="0"/>
+              <a:t>(mevcut duruma göre değişir.)</a:t>
+            </a:r>
+            <a:endParaRPr lang="en-US" altLang="tr-TR" dirty="0"/>
           </a:p>
         </p:txBody>
       </p:sp>
@@ -9328,7 +10052,7 @@
             </a:pPr>
             <a:fld id="{10DA81A5-DABA-43ED-9C4E-7BEB3805556A}" type="datetime1">
               <a:rPr lang="en-US" altLang="en-US" smtClean="0"/>
-              <a:t>12/4/2022</a:t>
+              <a:t>12/5/2022</a:t>
             </a:fld>
             <a:endParaRPr lang="en-US" altLang="en-US"/>
           </a:p>
@@ -11143,7 +11867,7 @@
             </a:pPr>
             <a:fld id="{10DA81A5-DABA-43ED-9C4E-7BEB3805556A}" type="datetime1">
               <a:rPr lang="en-US" altLang="en-US" smtClean="0"/>
-              <a:t>12/4/2022</a:t>
+              <a:t>12/5/2022</a:t>
             </a:fld>
             <a:endParaRPr lang="en-US" altLang="en-US"/>
           </a:p>
@@ -11745,7 +12469,7 @@
             </a:pPr>
             <a:fld id="{10DA81A5-DABA-43ED-9C4E-7BEB3805556A}" type="datetime1">
               <a:rPr lang="en-US" altLang="en-US" smtClean="0"/>
-              <a:t>12/4/2022</a:t>
+              <a:t>12/5/2022</a:t>
             </a:fld>
             <a:endParaRPr lang="en-US" altLang="en-US"/>
           </a:p>
@@ -11801,7 +12525,7 @@
           <p:nvPr/>
         </p:nvPicPr>
         <p:blipFill>
-          <a:blip r:embed="rId2"/>
+          <a:blip r:embed="rId3"/>
           <a:stretch>
             <a:fillRect/>
           </a:stretch>
@@ -12030,7 +12754,7 @@
           <p:nvPr/>
         </p:nvPicPr>
         <p:blipFill>
-          <a:blip r:embed="rId3"/>
+          <a:blip r:embed="rId4"/>
           <a:stretch>
             <a:fillRect/>
           </a:stretch>
@@ -12243,21 +12967,21 @@
                 <a:effectLst/>
                 <a:latin typeface="verdana" panose="020B0604030504040204" pitchFamily="34" charset="0"/>
               </a:rPr>
-              <a:t>java </a:t>
-            </a:r>
-            <a:r>
-              <a:rPr lang="en-US" b="1" i="0" dirty="0" err="1">
+              <a:t>java instance</a:t>
+            </a:r>
+            <a:r>
+              <a:rPr lang="tr-TR" b="1" i="0" dirty="0">
                 <a:effectLst/>
                 <a:latin typeface="verdana" panose="020B0604030504040204" pitchFamily="34" charset="0"/>
               </a:rPr>
-              <a:t>instanceof</a:t>
+              <a:t> </a:t>
             </a:r>
             <a:r>
               <a:rPr lang="en-US" b="1" i="0" dirty="0">
                 <a:effectLst/>
                 <a:latin typeface="verdana" panose="020B0604030504040204" pitchFamily="34" charset="0"/>
               </a:rPr>
-              <a:t> operator</a:t>
+              <a:t>of operator</a:t>
             </a:r>
             <a:r>
               <a:rPr lang="en-US" b="0" i="0" dirty="0">
@@ -13020,7 +13744,7 @@
             </a:pPr>
             <a:fld id="{10DA81A5-DABA-43ED-9C4E-7BEB3805556A}" type="datetime1">
               <a:rPr lang="en-US" altLang="en-US" smtClean="0"/>
-              <a:t>12/4/2022</a:t>
+              <a:t>12/5/2022</a:t>
             </a:fld>
             <a:endParaRPr lang="en-US" altLang="en-US"/>
           </a:p>
@@ -13230,7 +13954,7 @@
             </a:pPr>
             <a:fld id="{10DA81A5-DABA-43ED-9C4E-7BEB3805556A}" type="datetime1">
               <a:rPr lang="en-US" altLang="en-US" smtClean="0"/>
-              <a:t>12/4/2022</a:t>
+              <a:t>12/5/2022</a:t>
             </a:fld>
             <a:endParaRPr lang="en-US" altLang="en-US"/>
           </a:p>
@@ -13401,7 +14125,7 @@
                 </a:spcAft>
                 <a:defRPr/>
               </a:pPr>
-              <a:t>12/4/2022</a:t>
+              <a:t>12/5/2022</a:t>
             </a:fld>
             <a:endParaRPr lang="en-US" altLang="en-US"/>
           </a:p>
@@ -13841,7 +14565,7 @@
             </a:pPr>
             <a:fld id="{10DA81A5-DABA-43ED-9C4E-7BEB3805556A}" type="datetime1">
               <a:rPr lang="en-US" altLang="en-US" smtClean="0"/>
-              <a:t>12/4/2022</a:t>
+              <a:t>12/5/2022</a:t>
             </a:fld>
             <a:endParaRPr lang="en-US" altLang="en-US"/>
           </a:p>
@@ -14246,7 +14970,7 @@
                 </a:spcAft>
                 <a:defRPr/>
               </a:pPr>
-              <a:t>12/4/2022</a:t>
+              <a:t>12/5/2022</a:t>
             </a:fld>
             <a:endParaRPr lang="en-US" altLang="en-US"/>
           </a:p>
@@ -14697,7 +15421,7 @@
             </a:pPr>
             <a:fld id="{10DA81A5-DABA-43ED-9C4E-7BEB3805556A}" type="datetime1">
               <a:rPr lang="en-US" altLang="en-US" smtClean="0"/>
-              <a:t>12/4/2022</a:t>
+              <a:t>12/5/2022</a:t>
             </a:fld>
             <a:endParaRPr lang="en-US" altLang="en-US"/>
           </a:p>
@@ -14812,6 +15536,15 @@
               <a:rPr lang="en-US" sz="3200" dirty="0"/>
               <a:t>Code Reusability</a:t>
             </a:r>
+            <a:endParaRPr lang="tr-TR" sz="3200" dirty="0"/>
+          </a:p>
+          <a:p>
+            <a:pPr lvl="1"/>
+            <a:r>
+              <a:rPr lang="tr-TR" sz="3200" dirty="0"/>
+              <a:t>(Kod tekrarını engellemek)</a:t>
+            </a:r>
+            <a:endParaRPr lang="en-US" sz="3200" dirty="0"/>
           </a:p>
           <a:p>
             <a:pPr marL="914400" lvl="1" indent="-457200">
@@ -14832,10 +15565,11 @@
             <a:endParaRPr lang="en-US" sz="3200" dirty="0"/>
           </a:p>
           <a:p>
-            <a:pPr marL="914400" lvl="1" indent="-457200">
-              <a:buFontTx/>
-              <a:buAutoNum type="arabicPeriod"/>
-            </a:pPr>
+            <a:pPr lvl="1"/>
+            <a:r>
+              <a:rPr lang="tr-TR" sz="3200" dirty="0"/>
+              <a:t>2.</a:t>
+            </a:r>
             <a:r>
               <a:rPr lang="en-US" sz="3200" dirty="0"/>
               <a:t>Method Overriding</a:t>
@@ -15070,7 +15804,7 @@
             </a:pPr>
             <a:fld id="{10DA81A5-DABA-43ED-9C4E-7BEB3805556A}" type="datetime1">
               <a:rPr lang="en-US" altLang="en-US" smtClean="0"/>
-              <a:t>12/4/2022</a:t>
+              <a:t>12/5/2022</a:t>
             </a:fld>
             <a:endParaRPr lang="en-US" altLang="en-US"/>
           </a:p>
@@ -15355,7 +16089,7 @@
                 </a:spcAft>
                 <a:defRPr/>
               </a:pPr>
-              <a:t>12/4/2022</a:t>
+              <a:t>12/5/2022</a:t>
             </a:fld>
             <a:endParaRPr lang="en-US" altLang="en-US"/>
           </a:p>
@@ -15806,7 +16540,7 @@
             </a:pPr>
             <a:fld id="{10DA81A5-DABA-43ED-9C4E-7BEB3805556A}" type="datetime1">
               <a:rPr lang="en-US" altLang="en-US" smtClean="0"/>
-              <a:t>12/4/2022</a:t>
+              <a:t>12/5/2022</a:t>
             </a:fld>
             <a:endParaRPr lang="en-US" altLang="en-US"/>
           </a:p>
@@ -16346,7 +17080,7 @@
             </a:pPr>
             <a:fld id="{10DA81A5-DABA-43ED-9C4E-7BEB3805556A}" type="datetime1">
               <a:rPr lang="en-US" altLang="en-US" smtClean="0"/>
-              <a:t>12/4/2022</a:t>
+              <a:t>12/5/2022</a:t>
             </a:fld>
             <a:endParaRPr lang="en-US" altLang="en-US"/>
           </a:p>
@@ -16670,7 +17404,7 @@
             </a:pPr>
             <a:fld id="{10DA81A5-DABA-43ED-9C4E-7BEB3805556A}" type="datetime1">
               <a:rPr lang="en-US" altLang="en-US" smtClean="0"/>
-              <a:t>12/4/2022</a:t>
+              <a:t>12/5/2022</a:t>
             </a:fld>
             <a:endParaRPr lang="en-US" altLang="en-US"/>
           </a:p>
@@ -16829,7 +17563,7 @@
             </a:pPr>
             <a:fld id="{10DA81A5-DABA-43ED-9C4E-7BEB3805556A}" type="datetime1">
               <a:rPr lang="en-US" altLang="en-US" smtClean="0"/>
-              <a:t>12/4/2022</a:t>
+              <a:t>12/5/2022</a:t>
             </a:fld>
             <a:endParaRPr lang="en-US" altLang="en-US"/>
           </a:p>
@@ -17876,7 +18610,7 @@
             </a:pPr>
             <a:fld id="{10DA81A5-DABA-43ED-9C4E-7BEB3805556A}" type="datetime1">
               <a:rPr lang="en-US" altLang="en-US" smtClean="0"/>
-              <a:t>12/4/2022</a:t>
+              <a:t>12/5/2022</a:t>
             </a:fld>
             <a:endParaRPr lang="en-US" altLang="en-US"/>
           </a:p>
@@ -17952,7 +18686,7 @@
             <p:nvPr/>
           </p:nvPicPr>
           <p:blipFill rotWithShape="1">
-            <a:blip r:embed="rId2"/>
+            <a:blip r:embed="rId3"/>
             <a:srcRect l="510" t="-1" r="3514" b="8810"/>
             <a:stretch/>
           </p:blipFill>
@@ -18050,7 +18784,7 @@
             <p:nvPr/>
           </p:nvPicPr>
           <p:blipFill>
-            <a:blip r:embed="rId3"/>
+            <a:blip r:embed="rId4"/>
             <a:stretch>
               <a:fillRect/>
             </a:stretch>
@@ -18149,7 +18883,7 @@
             <p:nvPr/>
           </p:nvPicPr>
           <p:blipFill>
-            <a:blip r:embed="rId4"/>
+            <a:blip r:embed="rId5"/>
             <a:stretch>
               <a:fillRect/>
             </a:stretch>
@@ -18228,7 +18962,7 @@
           <p:nvPr/>
         </p:nvPicPr>
         <p:blipFill>
-          <a:blip r:embed="rId5"/>
+          <a:blip r:embed="rId6"/>
           <a:stretch>
             <a:fillRect/>
           </a:stretch>
@@ -22003,7 +22737,7 @@
             </a:pPr>
             <a:fld id="{10DA81A5-DABA-43ED-9C4E-7BEB3805556A}" type="datetime1">
               <a:rPr lang="en-US" altLang="en-US" smtClean="0"/>
-              <a:t>12/4/2022</a:t>
+              <a:t>12/5/2022</a:t>
             </a:fld>
             <a:endParaRPr lang="en-US" altLang="en-US"/>
           </a:p>
@@ -22364,6 +23098,15 @@
               </a:rPr>
               <a:t>a.method1();  //</a:t>
             </a:r>
+            <a:r>
+              <a:rPr lang="tr-TR" altLang="tr-TR" dirty="0">
+                <a:latin typeface="Consolas" panose="020B0609020204030204" pitchFamily="49" charset="0"/>
+              </a:rPr>
+              <a:t>A1</a:t>
+            </a:r>
+            <a:endParaRPr lang="en-US" altLang="tr-TR" dirty="0">
+              <a:latin typeface="Consolas" panose="020B0609020204030204" pitchFamily="49" charset="0"/>
+            </a:endParaRPr>
           </a:p>
           <a:p>
             <a:pPr lvl="2">
@@ -22377,6 +23120,15 @@
               </a:rPr>
               <a:t>a.method2();  //</a:t>
             </a:r>
+            <a:r>
+              <a:rPr lang="tr-TR" altLang="tr-TR" dirty="0">
+                <a:latin typeface="Consolas" panose="020B0609020204030204" pitchFamily="49" charset="0"/>
+              </a:rPr>
+              <a:t>HATA</a:t>
+            </a:r>
+            <a:endParaRPr lang="en-US" altLang="tr-TR" dirty="0">
+              <a:latin typeface="Consolas" panose="020B0609020204030204" pitchFamily="49" charset="0"/>
+            </a:endParaRPr>
           </a:p>
           <a:p>
             <a:pPr lvl="2">
@@ -22388,7 +23140,19 @@
               <a:rPr lang="en-US" altLang="tr-TR" dirty="0">
                 <a:latin typeface="Consolas" panose="020B0609020204030204" pitchFamily="49" charset="0"/>
               </a:rPr>
-              <a:t>a.method3();	//			</a:t>
+              <a:t>a.method3();	//</a:t>
+            </a:r>
+            <a:r>
+              <a:rPr lang="tr-TR" altLang="tr-TR" dirty="0">
+                <a:latin typeface="Consolas" panose="020B0609020204030204" pitchFamily="49" charset="0"/>
+              </a:rPr>
+              <a:t>A3</a:t>
+            </a:r>
+            <a:r>
+              <a:rPr lang="en-US" altLang="tr-TR" dirty="0">
+                <a:latin typeface="Consolas" panose="020B0609020204030204" pitchFamily="49" charset="0"/>
+              </a:rPr>
+              <a:t>			</a:t>
             </a:r>
           </a:p>
           <a:p>
@@ -22413,6 +23177,15 @@
               </a:rPr>
               <a:t>b.method1();//</a:t>
             </a:r>
+            <a:r>
+              <a:rPr lang="tr-TR" altLang="tr-TR" dirty="0">
+                <a:latin typeface="Consolas" panose="020B0609020204030204" pitchFamily="49" charset="0"/>
+              </a:rPr>
+              <a:t>A1??</a:t>
+            </a:r>
+            <a:endParaRPr lang="en-US" altLang="tr-TR" dirty="0">
+              <a:latin typeface="Consolas" panose="020B0609020204030204" pitchFamily="49" charset="0"/>
+            </a:endParaRPr>
           </a:p>
           <a:p>
             <a:pPr lvl="2">
@@ -22426,6 +23199,15 @@
               </a:rPr>
               <a:t>b.method2();//</a:t>
             </a:r>
+            <a:r>
+              <a:rPr lang="tr-TR" altLang="tr-TR" dirty="0">
+                <a:latin typeface="Consolas" panose="020B0609020204030204" pitchFamily="49" charset="0"/>
+              </a:rPr>
+              <a:t>B2</a:t>
+            </a:r>
+            <a:endParaRPr lang="en-US" altLang="tr-TR" dirty="0">
+              <a:latin typeface="Consolas" panose="020B0609020204030204" pitchFamily="49" charset="0"/>
+            </a:endParaRPr>
           </a:p>
           <a:p>
             <a:pPr lvl="2">
@@ -22439,6 +23221,15 @@
               </a:rPr>
               <a:t>b.method3();//</a:t>
             </a:r>
+            <a:r>
+              <a:rPr lang="tr-TR" altLang="tr-TR" dirty="0">
+                <a:latin typeface="Consolas" panose="020B0609020204030204" pitchFamily="49" charset="0"/>
+              </a:rPr>
+              <a:t>B3</a:t>
+            </a:r>
+            <a:endParaRPr lang="en-US" altLang="tr-TR" dirty="0">
+              <a:latin typeface="Consolas" panose="020B0609020204030204" pitchFamily="49" charset="0"/>
+            </a:endParaRPr>
           </a:p>
           <a:p>
             <a:pPr lvl="1">
@@ -22775,7 +23566,7 @@
                 <a:tabLst/>
                 <a:defRPr/>
               </a:pPr>
-              <a:t>12/4/2022</a:t>
+              <a:t>12/5/2022</a:t>
             </a:fld>
             <a:endParaRPr kumimoji="0" lang="en-US" sz="1200" b="0" i="0" u="none" strike="noStrike" kern="1200" cap="none" spc="0" normalizeH="0" baseline="0" noProof="0">
               <a:ln>

--- a/week9/Week9.pptx
+++ b/week9/Week9.pptx
@@ -302,7 +302,7 @@
           <a:p>
             <a:fld id="{926CD091-3C8C-4124-9F19-15ABFF5CDB2A}" type="datetimeFigureOut">
               <a:rPr lang="tr-TR" smtClean="0"/>
-              <a:t>5.12.2022</a:t>
+              <a:t>11.12.2022</a:t>
             </a:fld>
             <a:endParaRPr lang="tr-TR"/>
           </a:p>
@@ -1896,7 +1896,7 @@
           <a:p>
             <a:fld id="{CFE92C55-CE96-4306-855C-26651EE61F86}" type="datetimeFigureOut">
               <a:rPr lang="tr-TR" smtClean="0"/>
-              <a:t>5.12.2022</a:t>
+              <a:t>11.12.2022</a:t>
             </a:fld>
             <a:endParaRPr lang="tr-TR"/>
           </a:p>
@@ -2096,7 +2096,7 @@
           <a:p>
             <a:fld id="{CFE92C55-CE96-4306-855C-26651EE61F86}" type="datetimeFigureOut">
               <a:rPr lang="tr-TR" smtClean="0"/>
-              <a:t>5.12.2022</a:t>
+              <a:t>11.12.2022</a:t>
             </a:fld>
             <a:endParaRPr lang="tr-TR"/>
           </a:p>
@@ -2306,7 +2306,7 @@
           <a:p>
             <a:fld id="{CFE92C55-CE96-4306-855C-26651EE61F86}" type="datetimeFigureOut">
               <a:rPr lang="tr-TR" smtClean="0"/>
-              <a:t>5.12.2022</a:t>
+              <a:t>11.12.2022</a:t>
             </a:fld>
             <a:endParaRPr lang="tr-TR"/>
           </a:p>
@@ -2506,7 +2506,7 @@
           <a:p>
             <a:fld id="{CFE92C55-CE96-4306-855C-26651EE61F86}" type="datetimeFigureOut">
               <a:rPr lang="tr-TR" smtClean="0"/>
-              <a:t>5.12.2022</a:t>
+              <a:t>11.12.2022</a:t>
             </a:fld>
             <a:endParaRPr lang="tr-TR"/>
           </a:p>
@@ -2782,7 +2782,7 @@
           <a:p>
             <a:fld id="{CFE92C55-CE96-4306-855C-26651EE61F86}" type="datetimeFigureOut">
               <a:rPr lang="tr-TR" smtClean="0"/>
-              <a:t>5.12.2022</a:t>
+              <a:t>11.12.2022</a:t>
             </a:fld>
             <a:endParaRPr lang="tr-TR"/>
           </a:p>
@@ -3050,7 +3050,7 @@
           <a:p>
             <a:fld id="{CFE92C55-CE96-4306-855C-26651EE61F86}" type="datetimeFigureOut">
               <a:rPr lang="tr-TR" smtClean="0"/>
-              <a:t>5.12.2022</a:t>
+              <a:t>11.12.2022</a:t>
             </a:fld>
             <a:endParaRPr lang="tr-TR"/>
           </a:p>
@@ -3465,7 +3465,7 @@
           <a:p>
             <a:fld id="{CFE92C55-CE96-4306-855C-26651EE61F86}" type="datetimeFigureOut">
               <a:rPr lang="tr-TR" smtClean="0"/>
-              <a:t>5.12.2022</a:t>
+              <a:t>11.12.2022</a:t>
             </a:fld>
             <a:endParaRPr lang="tr-TR"/>
           </a:p>
@@ -3607,7 +3607,7 @@
           <a:p>
             <a:fld id="{CFE92C55-CE96-4306-855C-26651EE61F86}" type="datetimeFigureOut">
               <a:rPr lang="tr-TR" smtClean="0"/>
-              <a:t>5.12.2022</a:t>
+              <a:t>11.12.2022</a:t>
             </a:fld>
             <a:endParaRPr lang="tr-TR"/>
           </a:p>
@@ -3720,7 +3720,7 @@
           <a:p>
             <a:fld id="{CFE92C55-CE96-4306-855C-26651EE61F86}" type="datetimeFigureOut">
               <a:rPr lang="tr-TR" smtClean="0"/>
-              <a:t>5.12.2022</a:t>
+              <a:t>11.12.2022</a:t>
             </a:fld>
             <a:endParaRPr lang="tr-TR"/>
           </a:p>
@@ -4033,7 +4033,7 @@
           <a:p>
             <a:fld id="{CFE92C55-CE96-4306-855C-26651EE61F86}" type="datetimeFigureOut">
               <a:rPr lang="tr-TR" smtClean="0"/>
-              <a:t>5.12.2022</a:t>
+              <a:t>11.12.2022</a:t>
             </a:fld>
             <a:endParaRPr lang="tr-TR"/>
           </a:p>
@@ -4322,7 +4322,7 @@
           <a:p>
             <a:fld id="{CFE92C55-CE96-4306-855C-26651EE61F86}" type="datetimeFigureOut">
               <a:rPr lang="tr-TR" smtClean="0"/>
-              <a:t>5.12.2022</a:t>
+              <a:t>11.12.2022</a:t>
             </a:fld>
             <a:endParaRPr lang="tr-TR"/>
           </a:p>
@@ -4565,7 +4565,7 @@
           <a:p>
             <a:fld id="{CFE92C55-CE96-4306-855C-26651EE61F86}" type="datetimeFigureOut">
               <a:rPr lang="tr-TR" smtClean="0"/>
-              <a:t>5.12.2022</a:t>
+              <a:t>11.12.2022</a:t>
             </a:fld>
             <a:endParaRPr lang="tr-TR"/>
           </a:p>
@@ -5158,7 +5158,7 @@
                 <a:tabLst/>
                 <a:defRPr/>
               </a:pPr>
-              <a:t>12/5/2022</a:t>
+              <a:t>12/11/2022</a:t>
             </a:fld>
             <a:endParaRPr kumimoji="0" lang="en-US" sz="1200" b="0" i="0" u="none" strike="noStrike" kern="1200" cap="none" spc="0" normalizeH="0" baseline="0" noProof="0">
               <a:ln>
@@ -5700,7 +5700,7 @@
             </a:pPr>
             <a:fld id="{10DA81A5-DABA-43ED-9C4E-7BEB3805556A}" type="datetime1">
               <a:rPr lang="en-US" altLang="en-US" smtClean="0"/>
-              <a:t>12/5/2022</a:t>
+              <a:t>12/11/2022</a:t>
             </a:fld>
             <a:endParaRPr lang="en-US" altLang="en-US"/>
           </a:p>
@@ -6020,7 +6020,7 @@
                 </a:spcAft>
                 <a:defRPr/>
               </a:pPr>
-              <a:t>12/5/2022</a:t>
+              <a:t>12/11/2022</a:t>
             </a:fld>
             <a:endParaRPr lang="en-US" altLang="en-US"/>
           </a:p>
@@ -6367,7 +6367,7 @@
                 </a:spcAft>
                 <a:defRPr/>
               </a:pPr>
-              <a:t>12/5/2022</a:t>
+              <a:t>12/11/2022</a:t>
             </a:fld>
             <a:endParaRPr lang="en-US" altLang="en-US"/>
           </a:p>
@@ -6549,7 +6549,7 @@
             </a:pPr>
             <a:fld id="{10DA81A5-DABA-43ED-9C4E-7BEB3805556A}" type="datetime1">
               <a:rPr lang="en-US" altLang="en-US" smtClean="0"/>
-              <a:t>12/5/2022</a:t>
+              <a:t>12/11/2022</a:t>
             </a:fld>
             <a:endParaRPr lang="en-US" altLang="en-US"/>
           </a:p>
@@ -6805,7 +6805,7 @@
             </a:pPr>
             <a:fld id="{10DA81A5-DABA-43ED-9C4E-7BEB3805556A}" type="datetime1">
               <a:rPr lang="en-US" altLang="en-US" smtClean="0"/>
-              <a:t>12/5/2022</a:t>
+              <a:t>12/11/2022</a:t>
             </a:fld>
             <a:endParaRPr lang="en-US" altLang="en-US"/>
           </a:p>
@@ -7376,7 +7376,7 @@
             </a:pPr>
             <a:fld id="{10DA81A5-DABA-43ED-9C4E-7BEB3805556A}" type="datetime1">
               <a:rPr lang="en-US" altLang="en-US" smtClean="0"/>
-              <a:t>12/5/2022</a:t>
+              <a:t>12/11/2022</a:t>
             </a:fld>
             <a:endParaRPr lang="en-US" altLang="en-US"/>
           </a:p>
@@ -7660,7 +7660,7 @@
             </a:pPr>
             <a:fld id="{10DA81A5-DABA-43ED-9C4E-7BEB3805556A}" type="datetime1">
               <a:rPr lang="en-US" altLang="en-US" smtClean="0"/>
-              <a:t>12/5/2022</a:t>
+              <a:t>12/11/2022</a:t>
             </a:fld>
             <a:endParaRPr lang="en-US" altLang="en-US"/>
           </a:p>
@@ -7986,7 +7986,7 @@
             </a:pPr>
             <a:fld id="{10DA81A5-DABA-43ED-9C4E-7BEB3805556A}" type="datetime1">
               <a:rPr lang="en-US" altLang="en-US" smtClean="0"/>
-              <a:t>12/5/2022</a:t>
+              <a:t>12/11/2022</a:t>
             </a:fld>
             <a:endParaRPr lang="en-US" altLang="en-US"/>
           </a:p>
@@ -10052,7 +10052,7 @@
             </a:pPr>
             <a:fld id="{10DA81A5-DABA-43ED-9C4E-7BEB3805556A}" type="datetime1">
               <a:rPr lang="en-US" altLang="en-US" smtClean="0"/>
-              <a:t>12/5/2022</a:t>
+              <a:t>12/11/2022</a:t>
             </a:fld>
             <a:endParaRPr lang="en-US" altLang="en-US"/>
           </a:p>
@@ -11867,7 +11867,7 @@
             </a:pPr>
             <a:fld id="{10DA81A5-DABA-43ED-9C4E-7BEB3805556A}" type="datetime1">
               <a:rPr lang="en-US" altLang="en-US" smtClean="0"/>
-              <a:t>12/5/2022</a:t>
+              <a:t>12/11/2022</a:t>
             </a:fld>
             <a:endParaRPr lang="en-US" altLang="en-US"/>
           </a:p>
@@ -12469,7 +12469,7 @@
             </a:pPr>
             <a:fld id="{10DA81A5-DABA-43ED-9C4E-7BEB3805556A}" type="datetime1">
               <a:rPr lang="en-US" altLang="en-US" smtClean="0"/>
-              <a:t>12/5/2022</a:t>
+              <a:t>12/11/2022</a:t>
             </a:fld>
             <a:endParaRPr lang="en-US" altLang="en-US"/>
           </a:p>
@@ -13744,7 +13744,7 @@
             </a:pPr>
             <a:fld id="{10DA81A5-DABA-43ED-9C4E-7BEB3805556A}" type="datetime1">
               <a:rPr lang="en-US" altLang="en-US" smtClean="0"/>
-              <a:t>12/5/2022</a:t>
+              <a:t>12/11/2022</a:t>
             </a:fld>
             <a:endParaRPr lang="en-US" altLang="en-US"/>
           </a:p>
@@ -13954,7 +13954,7 @@
             </a:pPr>
             <a:fld id="{10DA81A5-DABA-43ED-9C4E-7BEB3805556A}" type="datetime1">
               <a:rPr lang="en-US" altLang="en-US" smtClean="0"/>
-              <a:t>12/5/2022</a:t>
+              <a:t>12/11/2022</a:t>
             </a:fld>
             <a:endParaRPr lang="en-US" altLang="en-US"/>
           </a:p>
@@ -14125,7 +14125,7 @@
                 </a:spcAft>
                 <a:defRPr/>
               </a:pPr>
-              <a:t>12/5/2022</a:t>
+              <a:t>12/11/2022</a:t>
             </a:fld>
             <a:endParaRPr lang="en-US" altLang="en-US"/>
           </a:p>
@@ -14565,7 +14565,7 @@
             </a:pPr>
             <a:fld id="{10DA81A5-DABA-43ED-9C4E-7BEB3805556A}" type="datetime1">
               <a:rPr lang="en-US" altLang="en-US" smtClean="0"/>
-              <a:t>12/5/2022</a:t>
+              <a:t>12/11/2022</a:t>
             </a:fld>
             <a:endParaRPr lang="en-US" altLang="en-US"/>
           </a:p>
@@ -14970,7 +14970,7 @@
                 </a:spcAft>
                 <a:defRPr/>
               </a:pPr>
-              <a:t>12/5/2022</a:t>
+              <a:t>12/11/2022</a:t>
             </a:fld>
             <a:endParaRPr lang="en-US" altLang="en-US"/>
           </a:p>
@@ -15421,7 +15421,7 @@
             </a:pPr>
             <a:fld id="{10DA81A5-DABA-43ED-9C4E-7BEB3805556A}" type="datetime1">
               <a:rPr lang="en-US" altLang="en-US" smtClean="0"/>
-              <a:t>12/5/2022</a:t>
+              <a:t>12/11/2022</a:t>
             </a:fld>
             <a:endParaRPr lang="en-US" altLang="en-US"/>
           </a:p>
@@ -15804,7 +15804,7 @@
             </a:pPr>
             <a:fld id="{10DA81A5-DABA-43ED-9C4E-7BEB3805556A}" type="datetime1">
               <a:rPr lang="en-US" altLang="en-US" smtClean="0"/>
-              <a:t>12/5/2022</a:t>
+              <a:t>12/11/2022</a:t>
             </a:fld>
             <a:endParaRPr lang="en-US" altLang="en-US"/>
           </a:p>
@@ -16089,7 +16089,7 @@
                 </a:spcAft>
                 <a:defRPr/>
               </a:pPr>
-              <a:t>12/5/2022</a:t>
+              <a:t>12/11/2022</a:t>
             </a:fld>
             <a:endParaRPr lang="en-US" altLang="en-US"/>
           </a:p>
@@ -16540,7 +16540,7 @@
             </a:pPr>
             <a:fld id="{10DA81A5-DABA-43ED-9C4E-7BEB3805556A}" type="datetime1">
               <a:rPr lang="en-US" altLang="en-US" smtClean="0"/>
-              <a:t>12/5/2022</a:t>
+              <a:t>12/11/2022</a:t>
             </a:fld>
             <a:endParaRPr lang="en-US" altLang="en-US"/>
           </a:p>
@@ -17080,7 +17080,7 @@
             </a:pPr>
             <a:fld id="{10DA81A5-DABA-43ED-9C4E-7BEB3805556A}" type="datetime1">
               <a:rPr lang="en-US" altLang="en-US" smtClean="0"/>
-              <a:t>12/5/2022</a:t>
+              <a:t>12/11/2022</a:t>
             </a:fld>
             <a:endParaRPr lang="en-US" altLang="en-US"/>
           </a:p>
@@ -17404,7 +17404,7 @@
             </a:pPr>
             <a:fld id="{10DA81A5-DABA-43ED-9C4E-7BEB3805556A}" type="datetime1">
               <a:rPr lang="en-US" altLang="en-US" smtClean="0"/>
-              <a:t>12/5/2022</a:t>
+              <a:t>12/11/2022</a:t>
             </a:fld>
             <a:endParaRPr lang="en-US" altLang="en-US"/>
           </a:p>
@@ -17563,7 +17563,7 @@
             </a:pPr>
             <a:fld id="{10DA81A5-DABA-43ED-9C4E-7BEB3805556A}" type="datetime1">
               <a:rPr lang="en-US" altLang="en-US" smtClean="0"/>
-              <a:t>12/5/2022</a:t>
+              <a:t>12/11/2022</a:t>
             </a:fld>
             <a:endParaRPr lang="en-US" altLang="en-US"/>
           </a:p>
@@ -18610,7 +18610,7 @@
             </a:pPr>
             <a:fld id="{10DA81A5-DABA-43ED-9C4E-7BEB3805556A}" type="datetime1">
               <a:rPr lang="en-US" altLang="en-US" smtClean="0"/>
-              <a:t>12/5/2022</a:t>
+              <a:t>12/11/2022</a:t>
             </a:fld>
             <a:endParaRPr lang="en-US" altLang="en-US"/>
           </a:p>
@@ -22737,7 +22737,7 @@
             </a:pPr>
             <a:fld id="{10DA81A5-DABA-43ED-9C4E-7BEB3805556A}" type="datetime1">
               <a:rPr lang="en-US" altLang="en-US" smtClean="0"/>
-              <a:t>12/5/2022</a:t>
+              <a:t>12/11/2022</a:t>
             </a:fld>
             <a:endParaRPr lang="en-US" altLang="en-US"/>
           </a:p>
@@ -23181,7 +23181,7 @@
               <a:rPr lang="tr-TR" altLang="tr-TR" dirty="0">
                 <a:latin typeface="Consolas" panose="020B0609020204030204" pitchFamily="49" charset="0"/>
               </a:rPr>
-              <a:t>A1??</a:t>
+              <a:t>A1</a:t>
             </a:r>
             <a:endParaRPr lang="en-US" altLang="tr-TR" dirty="0">
               <a:latin typeface="Consolas" panose="020B0609020204030204" pitchFamily="49" charset="0"/>
@@ -23566,7 +23566,7 @@
                 <a:tabLst/>
                 <a:defRPr/>
               </a:pPr>
-              <a:t>12/5/2022</a:t>
+              <a:t>12/11/2022</a:t>
             </a:fld>
             <a:endParaRPr kumimoji="0" lang="en-US" sz="1200" b="0" i="0" u="none" strike="noStrike" kern="1200" cap="none" spc="0" normalizeH="0" baseline="0" noProof="0">
               <a:ln>
